--- a/Successful and Profitable Product Launch on Kickstarter.pptx
+++ b/Successful and Profitable Product Launch on Kickstarter.pptx
@@ -9517,7 +9517,7 @@
             </a:br>
             <a:r>
               <a:rPr i="1" lang="en-US" sz="1800"/>
-              <a:t>Risk and Rewards</a:t>
+              <a:t>Risks and Rewards</a:t>
             </a:r>
             <a:endParaRPr sz="1800">
               <a:solidFill>
